--- a/presentations/Final_Presentation_Eljan_Mahammadli.pptx
+++ b/presentations/Final_Presentation_Eljan_Mahammadli.pptx
@@ -134,7 +134,7 @@
     <p1510:client id="{0D7FA3F4-0DAF-E90B-9F82-77C569BF2774}" v="807" dt="2023-08-02T17:46:35.666"/>
     <p1510:client id="{52206853-2B35-4569-9386-27B81F8E4AE6}" v="436" dt="2023-07-29T21:37:47.990"/>
     <p1510:client id="{6FC50465-7499-EE74-2242-2F70B87E1EDD}" v="2779" dt="2023-07-31T20:00:24.221"/>
-    <p1510:client id="{A82D2757-BC01-2F17-30AC-BAF2D63DF66F}" v="829" dt="2023-08-02T20:52:52.614"/>
+    <p1510:client id="{A82D2757-BC01-2F17-30AC-BAF2D63DF66F}" v="845" dt="2023-08-02T22:06:45.095"/>
   </p1510:revLst>
 </p1510:revInfo>
 </file>
@@ -6421,7 +6421,7 @@
           <a:p>
             <a:fld id="{D85A1138-DC99-4F80-8E0E-6CBE71F1495E}" type="slidenum">
               <a:rPr lang="en-US"/>
-              <a:t>7</a:t>
+              <a:t>8</a:t>
             </a:fld>
             <a:endParaRPr lang="en-US"/>
           </a:p>
@@ -9619,7 +9619,7 @@
                 <a:ea typeface="+mn-lt"/>
                 <a:cs typeface="+mn-lt"/>
               </a:rPr>
-              <a:t>Prof. Steve Kaisler, Prof. </a:t>
+              <a:t>Stephen H. Kaisler, D.Sc. &amp; </a:t>
             </a:r>
             <a:r>
               <a:rPr lang="en-US" dirty="0" err="1">
@@ -9633,8 +9633,9 @@
                 <a:ea typeface="+mn-lt"/>
                 <a:cs typeface="+mn-lt"/>
               </a:rPr>
-              <a:t> Hasanov</a:t>
-            </a:r>
+              <a:t> Hasanov, Ph.D.</a:t>
+            </a:r>
+            <a:endParaRPr lang="en-US" dirty="0" err="1"/>
           </a:p>
           <a:p>
             <a:r>
